--- a/Documentation/SQLPackManModel.pptx
+++ b/Documentation/SQLPackManModel.pptx
@@ -243,7 +243,7 @@
           <a:p>
             <a:fld id="{0B2D948E-5657-4C1B-A3A2-B67569D5E126}" type="datetimeFigureOut">
               <a:rPr lang="en-US" smtClean="0"/>
-              <a:t>3/24/2019</a:t>
+              <a:t>3/26/2019</a:t>
             </a:fld>
             <a:endParaRPr lang="en-US"/>
           </a:p>
@@ -413,7 +413,7 @@
           <a:p>
             <a:fld id="{0B2D948E-5657-4C1B-A3A2-B67569D5E126}" type="datetimeFigureOut">
               <a:rPr lang="en-US" smtClean="0"/>
-              <a:t>3/24/2019</a:t>
+              <a:t>3/26/2019</a:t>
             </a:fld>
             <a:endParaRPr lang="en-US"/>
           </a:p>
@@ -593,7 +593,7 @@
           <a:p>
             <a:fld id="{0B2D948E-5657-4C1B-A3A2-B67569D5E126}" type="datetimeFigureOut">
               <a:rPr lang="en-US" smtClean="0"/>
-              <a:t>3/24/2019</a:t>
+              <a:t>3/26/2019</a:t>
             </a:fld>
             <a:endParaRPr lang="en-US"/>
           </a:p>
@@ -763,7 +763,7 @@
           <a:p>
             <a:fld id="{0B2D948E-5657-4C1B-A3A2-B67569D5E126}" type="datetimeFigureOut">
               <a:rPr lang="en-US" smtClean="0"/>
-              <a:t>3/24/2019</a:t>
+              <a:t>3/26/2019</a:t>
             </a:fld>
             <a:endParaRPr lang="en-US"/>
           </a:p>
@@ -1007,7 +1007,7 @@
           <a:p>
             <a:fld id="{0B2D948E-5657-4C1B-A3A2-B67569D5E126}" type="datetimeFigureOut">
               <a:rPr lang="en-US" smtClean="0"/>
-              <a:t>3/24/2019</a:t>
+              <a:t>3/26/2019</a:t>
             </a:fld>
             <a:endParaRPr lang="en-US"/>
           </a:p>
@@ -1239,7 +1239,7 @@
           <a:p>
             <a:fld id="{0B2D948E-5657-4C1B-A3A2-B67569D5E126}" type="datetimeFigureOut">
               <a:rPr lang="en-US" smtClean="0"/>
-              <a:t>3/24/2019</a:t>
+              <a:t>3/26/2019</a:t>
             </a:fld>
             <a:endParaRPr lang="en-US"/>
           </a:p>
@@ -1606,7 +1606,7 @@
           <a:p>
             <a:fld id="{0B2D948E-5657-4C1B-A3A2-B67569D5E126}" type="datetimeFigureOut">
               <a:rPr lang="en-US" smtClean="0"/>
-              <a:t>3/24/2019</a:t>
+              <a:t>3/26/2019</a:t>
             </a:fld>
             <a:endParaRPr lang="en-US"/>
           </a:p>
@@ -1724,7 +1724,7 @@
           <a:p>
             <a:fld id="{0B2D948E-5657-4C1B-A3A2-B67569D5E126}" type="datetimeFigureOut">
               <a:rPr lang="en-US" smtClean="0"/>
-              <a:t>3/24/2019</a:t>
+              <a:t>3/26/2019</a:t>
             </a:fld>
             <a:endParaRPr lang="en-US"/>
           </a:p>
@@ -1819,7 +1819,7 @@
           <a:p>
             <a:fld id="{0B2D948E-5657-4C1B-A3A2-B67569D5E126}" type="datetimeFigureOut">
               <a:rPr lang="en-US" smtClean="0"/>
-              <a:t>3/24/2019</a:t>
+              <a:t>3/26/2019</a:t>
             </a:fld>
             <a:endParaRPr lang="en-US"/>
           </a:p>
@@ -2096,7 +2096,7 @@
           <a:p>
             <a:fld id="{0B2D948E-5657-4C1B-A3A2-B67569D5E126}" type="datetimeFigureOut">
               <a:rPr lang="en-US" smtClean="0"/>
-              <a:t>3/24/2019</a:t>
+              <a:t>3/26/2019</a:t>
             </a:fld>
             <a:endParaRPr lang="en-US"/>
           </a:p>
@@ -2353,7 +2353,7 @@
           <a:p>
             <a:fld id="{0B2D948E-5657-4C1B-A3A2-B67569D5E126}" type="datetimeFigureOut">
               <a:rPr lang="en-US" smtClean="0"/>
-              <a:t>3/24/2019</a:t>
+              <a:t>3/26/2019</a:t>
             </a:fld>
             <a:endParaRPr lang="en-US"/>
           </a:p>
@@ -2566,7 +2566,7 @@
           <a:p>
             <a:fld id="{0B2D948E-5657-4C1B-A3A2-B67569D5E126}" type="datetimeFigureOut">
               <a:rPr lang="en-US" smtClean="0"/>
-              <a:t>3/24/2019</a:t>
+              <a:t>3/26/2019</a:t>
             </a:fld>
             <a:endParaRPr lang="en-US"/>
           </a:p>
@@ -3679,7 +3679,7 @@
                     <a:p>
                       <a:pPr algn="l" fontAlgn="b"/>
                       <a:r>
-                        <a:rPr lang="en-US" sz="1100" b="0" i="0" u="none" strike="noStrike">
+                        <a:rPr lang="en-US" sz="1100" b="0" i="0" u="none" strike="noStrike" dirty="0">
                           <a:solidFill>
                             <a:srgbClr val="000000"/>
                           </a:solidFill>
@@ -4266,13 +4266,13 @@
           <p:nvPr>
             <p:extLst>
               <p:ext uri="{D42A27DB-BD31-4B8C-83A1-F6EECF244321}">
-                <p14:modId xmlns:p14="http://schemas.microsoft.com/office/powerpoint/2010/main" val="660166742"/>
+                <p14:modId xmlns:p14="http://schemas.microsoft.com/office/powerpoint/2010/main" val="3869964944"/>
               </p:ext>
             </p:extLst>
           </p:nvPr>
         </p:nvGraphicFramePr>
         <p:xfrm>
-          <a:off x="127308" y="1944881"/>
+          <a:off x="79806" y="1944881"/>
           <a:ext cx="1679695" cy="762000"/>
         </p:xfrm>
         <a:graphic>
@@ -4947,14 +4947,14 @@
           <p:nvPr>
             <p:extLst>
               <p:ext uri="{D42A27DB-BD31-4B8C-83A1-F6EECF244321}">
-                <p14:modId xmlns:p14="http://schemas.microsoft.com/office/powerpoint/2010/main" val="89433898"/>
+                <p14:modId xmlns:p14="http://schemas.microsoft.com/office/powerpoint/2010/main" val="2728900788"/>
               </p:ext>
             </p:extLst>
           </p:nvPr>
         </p:nvGraphicFramePr>
         <p:xfrm>
-          <a:off x="127308" y="4411440"/>
-          <a:ext cx="1679695" cy="1051320"/>
+          <a:off x="127308" y="4542069"/>
+          <a:ext cx="1679695" cy="841056"/>
         </p:xfrm>
         <a:graphic>
           <a:graphicData uri="http://schemas.openxmlformats.org/drawingml/2006/table">
@@ -5168,70 +5168,6 @@
                 <a:extLst>
                   <a:ext uri="{0D108BD9-81ED-4DB2-BD59-A6C34878D82A}">
                     <a16:rowId xmlns:a16="http://schemas.microsoft.com/office/drawing/2014/main" val="619688443"/>
-                  </a:ext>
-                </a:extLst>
-              </a:tr>
-              <a:tr h="210264">
-                <a:tc>
-                  <a:txBody>
-                    <a:bodyPr/>
-                    <a:lstStyle/>
-                    <a:p>
-                      <a:pPr algn="l" fontAlgn="b"/>
-                      <a:r>
-                        <a:rPr lang="en-US" sz="1100" b="0" i="0" u="none" strike="noStrike" dirty="0">
-                          <a:solidFill>
-                            <a:srgbClr val="000000"/>
-                          </a:solidFill>
-                          <a:effectLst/>
-                          <a:latin typeface="Calibri" panose="020F0502020204030204" pitchFamily="34" charset="0"/>
-                        </a:rPr>
-                        <a:t>Description (string)</a:t>
-                      </a:r>
-                    </a:p>
-                  </a:txBody>
-                  <a:tcPr marL="9525" marR="9525" marT="9525" marB="0" anchor="b">
-                    <a:lnL w="6350" cap="flat" cmpd="sng" algn="ctr">
-                      <a:solidFill>
-                        <a:srgbClr val="000000"/>
-                      </a:solidFill>
-                      <a:prstDash val="solid"/>
-                      <a:round/>
-                      <a:headEnd type="none" w="med" len="med"/>
-                      <a:tailEnd type="none" w="med" len="med"/>
-                    </a:lnL>
-                    <a:lnR w="6350" cap="flat" cmpd="sng" algn="ctr">
-                      <a:solidFill>
-                        <a:srgbClr val="000000"/>
-                      </a:solidFill>
-                      <a:prstDash val="solid"/>
-                      <a:round/>
-                      <a:headEnd type="none" w="med" len="med"/>
-                      <a:tailEnd type="none" w="med" len="med"/>
-                    </a:lnR>
-                    <a:lnT w="6350" cap="flat" cmpd="sng" algn="ctr">
-                      <a:solidFill>
-                        <a:srgbClr val="000000"/>
-                      </a:solidFill>
-                      <a:prstDash val="solid"/>
-                      <a:round/>
-                      <a:headEnd type="none" w="med" len="med"/>
-                      <a:tailEnd type="none" w="med" len="med"/>
-                    </a:lnT>
-                    <a:lnB w="6350" cap="flat" cmpd="sng" algn="ctr">
-                      <a:solidFill>
-                        <a:srgbClr val="000000"/>
-                      </a:solidFill>
-                      <a:prstDash val="solid"/>
-                      <a:round/>
-                      <a:headEnd type="none" w="med" len="med"/>
-                      <a:tailEnd type="none" w="med" len="med"/>
-                    </a:lnB>
-                  </a:tcPr>
-                </a:tc>
-                <a:extLst>
-                  <a:ext uri="{0D108BD9-81ED-4DB2-BD59-A6C34878D82A}">
-                    <a16:rowId xmlns:a16="http://schemas.microsoft.com/office/drawing/2014/main" val="3098911046"/>
                   </a:ext>
                 </a:extLst>
               </a:tr>
@@ -5370,7 +5306,7 @@
           <p:nvPr>
             <p:extLst>
               <p:ext uri="{D42A27DB-BD31-4B8C-83A1-F6EECF244321}">
-                <p14:modId xmlns:p14="http://schemas.microsoft.com/office/powerpoint/2010/main" val="4212024666"/>
+                <p14:modId xmlns:p14="http://schemas.microsoft.com/office/powerpoint/2010/main" val="123766652"/>
               </p:ext>
             </p:extLst>
           </p:nvPr>
@@ -5925,7 +5861,7 @@
                     <a:p>
                       <a:pPr algn="l" fontAlgn="b"/>
                       <a:r>
-                        <a:rPr lang="en-US" sz="1100" b="0" i="1" u="none" strike="noStrike">
+                        <a:rPr lang="en-US" sz="1100" b="0" i="1" u="none" strike="noStrike" dirty="0">
                           <a:solidFill>
                             <a:srgbClr val="000000"/>
                           </a:solidFill>
@@ -5992,6 +5928,16 @@
                     <a:p>
                       <a:pPr algn="l" fontAlgn="b"/>
                       <a:r>
+                        <a:rPr lang="en-US" sz="1100" b="0" i="0" u="none" strike="noStrike" dirty="0" err="1">
+                          <a:solidFill>
+                            <a:srgbClr val="000000"/>
+                          </a:solidFill>
+                          <a:effectLst/>
+                          <a:latin typeface="Calibri" panose="020F0502020204030204" pitchFamily="34" charset="0"/>
+                        </a:rPr>
+                        <a:t>ICollection</a:t>
+                      </a:r>
+                      <a:r>
                         <a:rPr lang="en-US" sz="1100" b="0" i="0" u="none" strike="noStrike" dirty="0">
                           <a:solidFill>
                             <a:srgbClr val="000000"/>
@@ -5999,7 +5945,7 @@
                           <a:effectLst/>
                           <a:latin typeface="Calibri" panose="020F0502020204030204" pitchFamily="34" charset="0"/>
                         </a:rPr>
-                        <a:t>List&lt;</a:t>
+                        <a:t>&lt;</a:t>
                       </a:r>
                       <a:r>
                         <a:rPr lang="en-US" sz="1100" b="0" i="0" u="none" strike="noStrike" dirty="0" err="1">
@@ -6076,7 +6022,7 @@
                     <a:p>
                       <a:pPr algn="l" fontAlgn="b"/>
                       <a:r>
-                        <a:rPr lang="en-US" sz="1100" b="0" i="0" u="none" strike="noStrike">
+                        <a:rPr lang="en-US" sz="1100" b="0" i="0" u="none" strike="noStrike" dirty="0" err="1">
                           <a:solidFill>
                             <a:srgbClr val="000000"/>
                           </a:solidFill>
@@ -6085,6 +6031,13 @@
                         </a:rPr>
                         <a:t>DDSEnvironment</a:t>
                       </a:r>
+                      <a:endParaRPr lang="en-US" sz="1100" b="0" i="0" u="none" strike="noStrike" dirty="0">
+                        <a:solidFill>
+                          <a:srgbClr val="000000"/>
+                        </a:solidFill>
+                        <a:effectLst/>
+                        <a:latin typeface="Calibri" panose="020F0502020204030204" pitchFamily="34" charset="0"/>
+                      </a:endParaRPr>
                     </a:p>
                   </a:txBody>
                   <a:tcPr marL="9525" marR="9525" marT="9525" marB="0" anchor="b">
@@ -6140,7 +6093,7 @@
                     <a:p>
                       <a:pPr algn="l" fontAlgn="b"/>
                       <a:r>
-                        <a:rPr lang="en-US" sz="1100" b="0" i="0" u="none" strike="noStrike">
+                        <a:rPr lang="en-US" sz="1100" b="0" i="0" u="none" strike="noStrike" dirty="0">
                           <a:solidFill>
                             <a:srgbClr val="000000"/>
                           </a:solidFill>
@@ -6724,8 +6677,8 @@
         </p:nvCxnSpPr>
         <p:spPr>
           <a:xfrm>
-            <a:off x="1807003" y="4937100"/>
-            <a:ext cx="1195277" cy="2500"/>
+            <a:off x="1807003" y="4962597"/>
+            <a:ext cx="1227591" cy="0"/>
           </a:xfrm>
           <a:prstGeom prst="straightConnector1">
             <a:avLst/>
@@ -6857,118 +6810,6 @@
       </p:sp>
       <p:sp>
         <p:nvSpPr>
-          <p:cNvPr id="257" name="TextBox 256">
-            <a:extLst>
-              <a:ext uri="{FF2B5EF4-FFF2-40B4-BE49-F238E27FC236}">
-                <a16:creationId xmlns:a16="http://schemas.microsoft.com/office/drawing/2014/main" id="{B40145BD-A6F5-4B5E-8B83-CD9F2DE72788}"/>
-              </a:ext>
-            </a:extLst>
-          </p:cNvPr>
-          <p:cNvSpPr txBox="1"/>
-          <p:nvPr/>
-        </p:nvSpPr>
-        <p:spPr>
-          <a:xfrm>
-            <a:off x="7345506" y="2753379"/>
-            <a:ext cx="248786" cy="246221"/>
-          </a:xfrm>
-          <a:prstGeom prst="rect">
-            <a:avLst/>
-          </a:prstGeom>
-          <a:noFill/>
-        </p:spPr>
-        <p:txBody>
-          <a:bodyPr wrap="square" rtlCol="0">
-            <a:spAutoFit/>
-          </a:bodyPr>
-          <a:lstStyle/>
-          <a:p>
-            <a:r>
-              <a:rPr lang="en-US" sz="1000" b="1" dirty="0"/>
-              <a:t>*</a:t>
-            </a:r>
-          </a:p>
-        </p:txBody>
-      </p:sp>
-      <p:sp>
-        <p:nvSpPr>
-          <p:cNvPr id="258" name="TextBox 257">
-            <a:extLst>
-              <a:ext uri="{FF2B5EF4-FFF2-40B4-BE49-F238E27FC236}">
-                <a16:creationId xmlns:a16="http://schemas.microsoft.com/office/drawing/2014/main" id="{15753EDF-64A4-4D71-BB7B-1D117EE0718F}"/>
-              </a:ext>
-            </a:extLst>
-          </p:cNvPr>
-          <p:cNvSpPr txBox="1"/>
-          <p:nvPr/>
-        </p:nvSpPr>
-        <p:spPr>
-          <a:xfrm>
-            <a:off x="6944217" y="2759907"/>
-            <a:ext cx="250390" cy="246221"/>
-          </a:xfrm>
-          <a:prstGeom prst="rect">
-            <a:avLst/>
-          </a:prstGeom>
-          <a:noFill/>
-        </p:spPr>
-        <p:txBody>
-          <a:bodyPr wrap="square" rtlCol="0">
-            <a:spAutoFit/>
-          </a:bodyPr>
-          <a:lstStyle/>
-          <a:p>
-            <a:r>
-              <a:rPr lang="en-US" sz="1000" b="1" dirty="0"/>
-              <a:t>1</a:t>
-            </a:r>
-          </a:p>
-        </p:txBody>
-      </p:sp>
-      <p:cxnSp>
-        <p:nvCxnSpPr>
-          <p:cNvPr id="259" name="Straight Arrow Connector 258">
-            <a:extLst>
-              <a:ext uri="{FF2B5EF4-FFF2-40B4-BE49-F238E27FC236}">
-                <a16:creationId xmlns:a16="http://schemas.microsoft.com/office/drawing/2014/main" id="{A36E785D-91D1-410C-A592-E93859661322}"/>
-              </a:ext>
-            </a:extLst>
-          </p:cNvPr>
-          <p:cNvCxnSpPr>
-            <a:cxnSpLocks/>
-          </p:cNvCxnSpPr>
-          <p:nvPr/>
-        </p:nvCxnSpPr>
-        <p:spPr>
-          <a:xfrm>
-            <a:off x="6949743" y="3076429"/>
-            <a:ext cx="574941" cy="0"/>
-          </a:xfrm>
-          <a:prstGeom prst="straightConnector1">
-            <a:avLst/>
-          </a:prstGeom>
-          <a:ln>
-            <a:headEnd type="diamond"/>
-            <a:tailEnd type="diamond"/>
-          </a:ln>
-        </p:spPr>
-        <p:style>
-          <a:lnRef idx="1">
-            <a:schemeClr val="accent1"/>
-          </a:lnRef>
-          <a:fillRef idx="0">
-            <a:schemeClr val="accent1"/>
-          </a:fillRef>
-          <a:effectRef idx="0">
-            <a:schemeClr val="accent1"/>
-          </a:effectRef>
-          <a:fontRef idx="minor">
-            <a:schemeClr val="tx1"/>
-          </a:fontRef>
-        </p:style>
-      </p:cxnSp>
-      <p:sp>
-        <p:nvSpPr>
           <p:cNvPr id="262" name="TextBox 261">
             <a:extLst>
               <a:ext uri="{FF2B5EF4-FFF2-40B4-BE49-F238E27FC236}">
@@ -7004,195 +6845,6 @@
       </p:sp>
       <p:sp>
         <p:nvSpPr>
-          <p:cNvPr id="263" name="TextBox 262">
-            <a:extLst>
-              <a:ext uri="{FF2B5EF4-FFF2-40B4-BE49-F238E27FC236}">
-                <a16:creationId xmlns:a16="http://schemas.microsoft.com/office/drawing/2014/main" id="{364E88CE-822B-4F99-A170-05C638E9816D}"/>
-              </a:ext>
-            </a:extLst>
-          </p:cNvPr>
-          <p:cNvSpPr txBox="1"/>
-          <p:nvPr/>
-        </p:nvSpPr>
-        <p:spPr>
-          <a:xfrm>
-            <a:off x="5121637" y="2812295"/>
-            <a:ext cx="250390" cy="246221"/>
-          </a:xfrm>
-          <a:prstGeom prst="rect">
-            <a:avLst/>
-          </a:prstGeom>
-          <a:noFill/>
-        </p:spPr>
-        <p:txBody>
-          <a:bodyPr wrap="square" rtlCol="0">
-            <a:spAutoFit/>
-          </a:bodyPr>
-          <a:lstStyle/>
-          <a:p>
-            <a:r>
-              <a:rPr lang="en-US" sz="1000" b="1" dirty="0"/>
-              <a:t>1</a:t>
-            </a:r>
-          </a:p>
-        </p:txBody>
-      </p:sp>
-      <p:cxnSp>
-        <p:nvCxnSpPr>
-          <p:cNvPr id="264" name="Straight Arrow Connector 263">
-            <a:extLst>
-              <a:ext uri="{FF2B5EF4-FFF2-40B4-BE49-F238E27FC236}">
-                <a16:creationId xmlns:a16="http://schemas.microsoft.com/office/drawing/2014/main" id="{906686FF-C3AC-44E0-8EAC-683142CF5693}"/>
-              </a:ext>
-            </a:extLst>
-          </p:cNvPr>
-          <p:cNvCxnSpPr>
-            <a:cxnSpLocks/>
-          </p:cNvCxnSpPr>
-          <p:nvPr/>
-        </p:nvCxnSpPr>
-        <p:spPr>
-          <a:xfrm>
-            <a:off x="4775613" y="3066449"/>
-            <a:ext cx="574941" cy="0"/>
-          </a:xfrm>
-          <a:prstGeom prst="straightConnector1">
-            <a:avLst/>
-          </a:prstGeom>
-          <a:ln>
-            <a:headEnd type="diamond"/>
-            <a:tailEnd type="diamond"/>
-          </a:ln>
-        </p:spPr>
-        <p:style>
-          <a:lnRef idx="1">
-            <a:schemeClr val="accent1"/>
-          </a:lnRef>
-          <a:fillRef idx="0">
-            <a:schemeClr val="accent1"/>
-          </a:fillRef>
-          <a:effectRef idx="0">
-            <a:schemeClr val="accent1"/>
-          </a:effectRef>
-          <a:fontRef idx="minor">
-            <a:schemeClr val="tx1"/>
-          </a:fontRef>
-        </p:style>
-      </p:cxnSp>
-      <p:sp>
-        <p:nvSpPr>
-          <p:cNvPr id="265" name="TextBox 264">
-            <a:extLst>
-              <a:ext uri="{FF2B5EF4-FFF2-40B4-BE49-F238E27FC236}">
-                <a16:creationId xmlns:a16="http://schemas.microsoft.com/office/drawing/2014/main" id="{7FC92237-4D0D-4A15-ABE7-E468F2FEE04B}"/>
-              </a:ext>
-            </a:extLst>
-          </p:cNvPr>
-          <p:cNvSpPr txBox="1"/>
-          <p:nvPr/>
-        </p:nvSpPr>
-        <p:spPr>
-          <a:xfrm>
-            <a:off x="4749490" y="3640952"/>
-            <a:ext cx="248786" cy="246221"/>
-          </a:xfrm>
-          <a:prstGeom prst="rect">
-            <a:avLst/>
-          </a:prstGeom>
-          <a:noFill/>
-        </p:spPr>
-        <p:txBody>
-          <a:bodyPr wrap="square" rtlCol="0">
-            <a:spAutoFit/>
-          </a:bodyPr>
-          <a:lstStyle/>
-          <a:p>
-            <a:r>
-              <a:rPr lang="en-US" sz="1000" b="1" dirty="0"/>
-              <a:t>*</a:t>
-            </a:r>
-          </a:p>
-        </p:txBody>
-      </p:sp>
-      <p:sp>
-        <p:nvSpPr>
-          <p:cNvPr id="266" name="TextBox 265">
-            <a:extLst>
-              <a:ext uri="{FF2B5EF4-FFF2-40B4-BE49-F238E27FC236}">
-                <a16:creationId xmlns:a16="http://schemas.microsoft.com/office/drawing/2014/main" id="{AC458C22-105D-471E-B8F1-5FAF7233FAFE}"/>
-              </a:ext>
-            </a:extLst>
-          </p:cNvPr>
-          <p:cNvSpPr txBox="1"/>
-          <p:nvPr/>
-        </p:nvSpPr>
-        <p:spPr>
-          <a:xfrm>
-            <a:off x="5119481" y="3633019"/>
-            <a:ext cx="250390" cy="246221"/>
-          </a:xfrm>
-          <a:prstGeom prst="rect">
-            <a:avLst/>
-          </a:prstGeom>
-          <a:noFill/>
-        </p:spPr>
-        <p:txBody>
-          <a:bodyPr wrap="square" rtlCol="0">
-            <a:spAutoFit/>
-          </a:bodyPr>
-          <a:lstStyle/>
-          <a:p>
-            <a:r>
-              <a:rPr lang="en-US" sz="1000" b="1" dirty="0"/>
-              <a:t>1</a:t>
-            </a:r>
-          </a:p>
-        </p:txBody>
-      </p:sp>
-      <p:cxnSp>
-        <p:nvCxnSpPr>
-          <p:cNvPr id="267" name="Straight Arrow Connector 266">
-            <a:extLst>
-              <a:ext uri="{FF2B5EF4-FFF2-40B4-BE49-F238E27FC236}">
-                <a16:creationId xmlns:a16="http://schemas.microsoft.com/office/drawing/2014/main" id="{313EC3DE-778D-4B3A-8D62-E601E5409415}"/>
-              </a:ext>
-            </a:extLst>
-          </p:cNvPr>
-          <p:cNvCxnSpPr>
-            <a:cxnSpLocks/>
-          </p:cNvCxnSpPr>
-          <p:nvPr/>
-        </p:nvCxnSpPr>
-        <p:spPr>
-          <a:xfrm>
-            <a:off x="4773457" y="3887173"/>
-            <a:ext cx="574941" cy="0"/>
-          </a:xfrm>
-          <a:prstGeom prst="straightConnector1">
-            <a:avLst/>
-          </a:prstGeom>
-          <a:ln>
-            <a:headEnd type="diamond"/>
-            <a:tailEnd type="diamond"/>
-          </a:ln>
-        </p:spPr>
-        <p:style>
-          <a:lnRef idx="1">
-            <a:schemeClr val="accent1"/>
-          </a:lnRef>
-          <a:fillRef idx="0">
-            <a:schemeClr val="accent1"/>
-          </a:fillRef>
-          <a:effectRef idx="0">
-            <a:schemeClr val="accent1"/>
-          </a:effectRef>
-          <a:fontRef idx="minor">
-            <a:schemeClr val="tx1"/>
-          </a:fontRef>
-        </p:style>
-      </p:cxnSp>
-      <p:sp>
-        <p:nvSpPr>
           <p:cNvPr id="268" name="TextBox 267">
             <a:extLst>
               <a:ext uri="{FF2B5EF4-FFF2-40B4-BE49-F238E27FC236}">
@@ -7205,7 +6857,7 @@
         </p:nvSpPr>
         <p:spPr>
           <a:xfrm>
-            <a:off x="7986697" y="3577744"/>
+            <a:off x="7986697" y="3666897"/>
             <a:ext cx="248786" cy="246221"/>
           </a:xfrm>
           <a:prstGeom prst="rect">
@@ -7278,119 +6930,7 @@
         <p:spPr>
           <a:xfrm>
             <a:off x="8236285" y="3373119"/>
-            <a:ext cx="0" cy="355733"/>
-          </a:xfrm>
-          <a:prstGeom prst="straightConnector1">
-            <a:avLst/>
-          </a:prstGeom>
-          <a:ln>
-            <a:headEnd type="diamond"/>
-            <a:tailEnd type="diamond"/>
-          </a:ln>
-        </p:spPr>
-        <p:style>
-          <a:lnRef idx="1">
-            <a:schemeClr val="accent1"/>
-          </a:lnRef>
-          <a:fillRef idx="0">
-            <a:schemeClr val="accent1"/>
-          </a:fillRef>
-          <a:effectRef idx="0">
-            <a:schemeClr val="accent1"/>
-          </a:effectRef>
-          <a:fontRef idx="minor">
-            <a:schemeClr val="tx1"/>
-          </a:fontRef>
-        </p:style>
-      </p:cxnSp>
-      <p:sp>
-        <p:nvSpPr>
-          <p:cNvPr id="275" name="TextBox 274">
-            <a:extLst>
-              <a:ext uri="{FF2B5EF4-FFF2-40B4-BE49-F238E27FC236}">
-                <a16:creationId xmlns:a16="http://schemas.microsoft.com/office/drawing/2014/main" id="{D18676FB-DE0C-4576-AE4E-2AF153882ABF}"/>
-              </a:ext>
-            </a:extLst>
-          </p:cNvPr>
-          <p:cNvSpPr txBox="1"/>
-          <p:nvPr/>
-        </p:nvSpPr>
-        <p:spPr>
-          <a:xfrm>
-            <a:off x="7380015" y="3582912"/>
-            <a:ext cx="248786" cy="246221"/>
-          </a:xfrm>
-          <a:prstGeom prst="rect">
-            <a:avLst/>
-          </a:prstGeom>
-          <a:noFill/>
-        </p:spPr>
-        <p:txBody>
-          <a:bodyPr wrap="square" rtlCol="0">
-            <a:spAutoFit/>
-          </a:bodyPr>
-          <a:lstStyle/>
-          <a:p>
-            <a:r>
-              <a:rPr lang="en-US" sz="1000" b="1" dirty="0"/>
-              <a:t>*</a:t>
-            </a:r>
-          </a:p>
-        </p:txBody>
-      </p:sp>
-      <p:sp>
-        <p:nvSpPr>
-          <p:cNvPr id="276" name="TextBox 275">
-            <a:extLst>
-              <a:ext uri="{FF2B5EF4-FFF2-40B4-BE49-F238E27FC236}">
-                <a16:creationId xmlns:a16="http://schemas.microsoft.com/office/drawing/2014/main" id="{FA16FFB0-B77A-40DE-A9D3-D2C250D6C85D}"/>
-              </a:ext>
-            </a:extLst>
-          </p:cNvPr>
-          <p:cNvSpPr txBox="1"/>
-          <p:nvPr/>
-        </p:nvSpPr>
-        <p:spPr>
-          <a:xfrm>
-            <a:off x="6969126" y="3557265"/>
-            <a:ext cx="250390" cy="246221"/>
-          </a:xfrm>
-          <a:prstGeom prst="rect">
-            <a:avLst/>
-          </a:prstGeom>
-          <a:noFill/>
-        </p:spPr>
-        <p:txBody>
-          <a:bodyPr wrap="square" rtlCol="0">
-            <a:spAutoFit/>
-          </a:bodyPr>
-          <a:lstStyle/>
-          <a:p>
-            <a:r>
-              <a:rPr lang="en-US" sz="1000" b="1" dirty="0"/>
-              <a:t>1</a:t>
-            </a:r>
-          </a:p>
-        </p:txBody>
-      </p:sp>
-      <p:cxnSp>
-        <p:nvCxnSpPr>
-          <p:cNvPr id="277" name="Straight Arrow Connector 276">
-            <a:extLst>
-              <a:ext uri="{FF2B5EF4-FFF2-40B4-BE49-F238E27FC236}">
-                <a16:creationId xmlns:a16="http://schemas.microsoft.com/office/drawing/2014/main" id="{CEFD4320-5E18-4ED8-995C-38B6A811A270}"/>
-              </a:ext>
-            </a:extLst>
-          </p:cNvPr>
-          <p:cNvCxnSpPr>
-            <a:cxnSpLocks/>
-          </p:cNvCxnSpPr>
-          <p:nvPr/>
-        </p:nvCxnSpPr>
-        <p:spPr>
-          <a:xfrm>
-            <a:off x="6974652" y="3873787"/>
-            <a:ext cx="574941" cy="0"/>
+            <a:ext cx="0" cy="450846"/>
           </a:xfrm>
           <a:prstGeom prst="straightConnector1">
             <a:avLst/>
@@ -8362,7 +7902,7 @@
                     <a:p>
                       <a:pPr algn="l" fontAlgn="b"/>
                       <a:r>
-                        <a:rPr lang="en-US" sz="1100" b="0" i="0" u="none" strike="noStrike" dirty="0" err="1">
+                        <a:rPr lang="en-US" sz="1100" b="0" i="0" u="none" strike="noStrike" dirty="0">
                           <a:solidFill>
                             <a:srgbClr val="000000"/>
                           </a:solidFill>
@@ -8371,13 +7911,6 @@
                         </a:rPr>
                         <a:t>StatusCode</a:t>
                       </a:r>
-                      <a:endParaRPr lang="en-US" sz="1100" b="0" i="0" u="none" strike="noStrike" dirty="0">
-                        <a:solidFill>
-                          <a:srgbClr val="000000"/>
-                        </a:solidFill>
-                        <a:effectLst/>
-                        <a:latin typeface="Calibri" panose="020F0502020204030204" pitchFamily="34" charset="0"/>
-                      </a:endParaRPr>
                     </a:p>
                   </a:txBody>
                   <a:tcPr marL="9525" marR="9525" marT="9525" marB="0" anchor="b">
@@ -8528,14 +8061,14 @@
           <p:nvPr>
             <p:extLst>
               <p:ext uri="{D42A27DB-BD31-4B8C-83A1-F6EECF244321}">
-                <p14:modId xmlns:p14="http://schemas.microsoft.com/office/powerpoint/2010/main" val="3731169374"/>
+                <p14:modId xmlns:p14="http://schemas.microsoft.com/office/powerpoint/2010/main" val="2713044042"/>
               </p:ext>
             </p:extLst>
           </p:nvPr>
         </p:nvGraphicFramePr>
         <p:xfrm>
-          <a:off x="7582366" y="3776409"/>
-          <a:ext cx="1435100" cy="1905000"/>
+          <a:off x="7582366" y="3930785"/>
+          <a:ext cx="1435100" cy="1524000"/>
         </p:xfrm>
         <a:graphic>
           <a:graphicData uri="http://schemas.openxmlformats.org/drawingml/2006/table">
@@ -8625,7 +8158,7 @@
                     <a:p>
                       <a:pPr algn="l" fontAlgn="b"/>
                       <a:r>
-                        <a:rPr lang="en-US" sz="1100" b="0" i="0" u="none" strike="noStrike">
+                        <a:rPr lang="en-US" sz="1100" b="0" i="0" u="none" strike="noStrike" dirty="0">
                           <a:solidFill>
                             <a:srgbClr val="000000"/>
                           </a:solidFill>
@@ -8689,14 +8222,24 @@
                     <a:p>
                       <a:pPr algn="l" fontAlgn="b"/>
                       <a:r>
-                        <a:rPr lang="en-US" sz="1100" b="0" i="0" u="none" strike="noStrike">
+                        <a:rPr lang="en-US" sz="1100" b="0" i="0" u="none" strike="noStrike" dirty="0" err="1">
                           <a:solidFill>
                             <a:srgbClr val="000000"/>
                           </a:solidFill>
                           <a:effectLst/>
                           <a:latin typeface="Calibri" panose="020F0502020204030204" pitchFamily="34" charset="0"/>
                         </a:rPr>
-                        <a:t>MigrationId (int)</a:t>
+                        <a:t>MigrationId</a:t>
+                      </a:r>
+                      <a:r>
+                        <a:rPr lang="en-US" sz="1100" b="0" i="0" u="none" strike="noStrike" dirty="0">
+                          <a:solidFill>
+                            <a:srgbClr val="000000"/>
+                          </a:solidFill>
+                          <a:effectLst/>
+                          <a:latin typeface="Calibri" panose="020F0502020204030204" pitchFamily="34" charset="0"/>
+                        </a:rPr>
+                        <a:t> (int)</a:t>
                       </a:r>
                     </a:p>
                   </a:txBody>
@@ -8753,7 +8296,7 @@
                     <a:p>
                       <a:pPr algn="l" fontAlgn="b"/>
                       <a:r>
-                        <a:rPr lang="en-US" sz="1100" b="0" i="0" u="none" strike="noStrike">
+                        <a:rPr lang="en-US" sz="1100" b="0" i="0" u="none" strike="noStrike" dirty="0">
                           <a:solidFill>
                             <a:srgbClr val="000000"/>
                           </a:solidFill>
@@ -8945,71 +8488,7 @@
                     <a:p>
                       <a:pPr algn="l" fontAlgn="b"/>
                       <a:r>
-                        <a:rPr lang="en-US" sz="1100" b="0" i="0" u="none" strike="noStrike">
-                          <a:solidFill>
-                            <a:srgbClr val="000000"/>
-                          </a:solidFill>
-                          <a:effectLst/>
-                          <a:latin typeface="Calibri" panose="020F0502020204030204" pitchFamily="34" charset="0"/>
-                        </a:rPr>
-                        <a:t>MigrationStatus (int)</a:t>
-                      </a:r>
-                    </a:p>
-                  </a:txBody>
-                  <a:tcPr marL="9525" marR="9525" marT="9525" marB="0" anchor="b">
-                    <a:lnL w="6350" cap="flat" cmpd="sng" algn="ctr">
-                      <a:solidFill>
-                        <a:srgbClr val="000000"/>
-                      </a:solidFill>
-                      <a:prstDash val="solid"/>
-                      <a:round/>
-                      <a:headEnd type="none" w="med" len="med"/>
-                      <a:tailEnd type="none" w="med" len="med"/>
-                    </a:lnL>
-                    <a:lnR w="6350" cap="flat" cmpd="sng" algn="ctr">
-                      <a:solidFill>
-                        <a:srgbClr val="000000"/>
-                      </a:solidFill>
-                      <a:prstDash val="solid"/>
-                      <a:round/>
-                      <a:headEnd type="none" w="med" len="med"/>
-                      <a:tailEnd type="none" w="med" len="med"/>
-                    </a:lnR>
-                    <a:lnT w="6350" cap="flat" cmpd="sng" algn="ctr">
-                      <a:solidFill>
-                        <a:srgbClr val="000000"/>
-                      </a:solidFill>
-                      <a:prstDash val="solid"/>
-                      <a:round/>
-                      <a:headEnd type="none" w="med" len="med"/>
-                      <a:tailEnd type="none" w="med" len="med"/>
-                    </a:lnT>
-                    <a:lnB w="6350" cap="flat" cmpd="sng" algn="ctr">
-                      <a:solidFill>
-                        <a:srgbClr val="000000"/>
-                      </a:solidFill>
-                      <a:prstDash val="solid"/>
-                      <a:round/>
-                      <a:headEnd type="none" w="med" len="med"/>
-                      <a:tailEnd type="none" w="med" len="med"/>
-                    </a:lnB>
-                  </a:tcPr>
-                </a:tc>
-                <a:extLst>
-                  <a:ext uri="{0D108BD9-81ED-4DB2-BD59-A6C34878D82A}">
-                    <a16:rowId xmlns:a16="http://schemas.microsoft.com/office/drawing/2014/main" val="1068534349"/>
-                  </a:ext>
-                </a:extLst>
-              </a:tr>
-              <a:tr h="190500">
-                <a:tc>
-                  <a:txBody>
-                    <a:bodyPr/>
-                    <a:lstStyle/>
-                    <a:p>
-                      <a:pPr algn="l" fontAlgn="b"/>
-                      <a:r>
-                        <a:rPr lang="en-US" sz="1100" b="0" i="1" u="none" strike="noStrike">
+                        <a:rPr lang="en-US" sz="1100" b="0" i="1" u="none" strike="noStrike" dirty="0">
                           <a:solidFill>
                             <a:srgbClr val="000000"/>
                           </a:solidFill>
@@ -9076,7 +8555,7 @@
                     <a:p>
                       <a:pPr algn="l" fontAlgn="b"/>
                       <a:r>
-                        <a:rPr lang="en-US" sz="1100" b="0" i="0" u="none" strike="noStrike">
+                        <a:rPr lang="en-US" sz="1100" b="0" i="0" u="none" strike="noStrike" dirty="0">
                           <a:solidFill>
                             <a:srgbClr val="000000"/>
                           </a:solidFill>
@@ -9129,77 +8608,6 @@
                 <a:extLst>
                   <a:ext uri="{0D108BD9-81ED-4DB2-BD59-A6C34878D82A}">
                     <a16:rowId xmlns:a16="http://schemas.microsoft.com/office/drawing/2014/main" val="945198971"/>
-                  </a:ext>
-                </a:extLst>
-              </a:tr>
-              <a:tr h="190500">
-                <a:tc>
-                  <a:txBody>
-                    <a:bodyPr/>
-                    <a:lstStyle/>
-                    <a:p>
-                      <a:pPr algn="l" fontAlgn="b"/>
-                      <a:r>
-                        <a:rPr lang="en-US" sz="1100" b="0" i="0" u="none" strike="noStrike" dirty="0" err="1">
-                          <a:solidFill>
-                            <a:srgbClr val="000000"/>
-                          </a:solidFill>
-                          <a:effectLst/>
-                          <a:latin typeface="Calibri" panose="020F0502020204030204" pitchFamily="34" charset="0"/>
-                        </a:rPr>
-                        <a:t>StatusCode</a:t>
-                      </a:r>
-                      <a:endParaRPr lang="en-US" sz="1100" b="0" i="0" u="none" strike="noStrike" dirty="0">
-                        <a:solidFill>
-                          <a:srgbClr val="000000"/>
-                        </a:solidFill>
-                        <a:effectLst/>
-                        <a:latin typeface="Calibri" panose="020F0502020204030204" pitchFamily="34" charset="0"/>
-                      </a:endParaRPr>
-                    </a:p>
-                  </a:txBody>
-                  <a:tcPr marL="9525" marR="9525" marT="9525" marB="0" anchor="b">
-                    <a:lnL w="6350" cap="flat" cmpd="sng" algn="ctr">
-                      <a:solidFill>
-                        <a:srgbClr val="000000"/>
-                      </a:solidFill>
-                      <a:prstDash val="solid"/>
-                      <a:round/>
-                      <a:headEnd type="none" w="med" len="med"/>
-                      <a:tailEnd type="none" w="med" len="med"/>
-                    </a:lnL>
-                    <a:lnR w="6350" cap="flat" cmpd="sng" algn="ctr">
-                      <a:solidFill>
-                        <a:srgbClr val="000000"/>
-                      </a:solidFill>
-                      <a:prstDash val="solid"/>
-                      <a:round/>
-                      <a:headEnd type="none" w="med" len="med"/>
-                      <a:tailEnd type="none" w="med" len="med"/>
-                    </a:lnR>
-                    <a:lnT w="6350" cap="flat" cmpd="sng" algn="ctr">
-                      <a:solidFill>
-                        <a:srgbClr val="000000"/>
-                      </a:solidFill>
-                      <a:prstDash val="solid"/>
-                      <a:round/>
-                      <a:headEnd type="none" w="med" len="med"/>
-                      <a:tailEnd type="none" w="med" len="med"/>
-                    </a:lnT>
-                    <a:lnB w="6350" cap="flat" cmpd="sng" algn="ctr">
-                      <a:solidFill>
-                        <a:srgbClr val="000000"/>
-                      </a:solidFill>
-                      <a:prstDash val="solid"/>
-                      <a:round/>
-                      <a:headEnd type="none" w="med" len="med"/>
-                      <a:tailEnd type="none" w="med" len="med"/>
-                    </a:lnB>
-                  </a:tcPr>
-                </a:tc>
-                <a:extLst>
-                  <a:ext uri="{0D108BD9-81ED-4DB2-BD59-A6C34878D82A}">
-                    <a16:rowId xmlns:a16="http://schemas.microsoft.com/office/drawing/2014/main" val="2921542333"/>
                   </a:ext>
                 </a:extLst>
               </a:tr>

--- a/Documentation/SQLPackManModel.pptx
+++ b/Documentation/SQLPackManModel.pptx
@@ -243,7 +243,7 @@
           <a:p>
             <a:fld id="{0B2D948E-5657-4C1B-A3A2-B67569D5E126}" type="datetimeFigureOut">
               <a:rPr lang="en-US" smtClean="0"/>
-              <a:t>3/26/2019</a:t>
+              <a:t>3/30/2019</a:t>
             </a:fld>
             <a:endParaRPr lang="en-US"/>
           </a:p>
@@ -413,7 +413,7 @@
           <a:p>
             <a:fld id="{0B2D948E-5657-4C1B-A3A2-B67569D5E126}" type="datetimeFigureOut">
               <a:rPr lang="en-US" smtClean="0"/>
-              <a:t>3/26/2019</a:t>
+              <a:t>3/30/2019</a:t>
             </a:fld>
             <a:endParaRPr lang="en-US"/>
           </a:p>
@@ -593,7 +593,7 @@
           <a:p>
             <a:fld id="{0B2D948E-5657-4C1B-A3A2-B67569D5E126}" type="datetimeFigureOut">
               <a:rPr lang="en-US" smtClean="0"/>
-              <a:t>3/26/2019</a:t>
+              <a:t>3/30/2019</a:t>
             </a:fld>
             <a:endParaRPr lang="en-US"/>
           </a:p>
@@ -763,7 +763,7 @@
           <a:p>
             <a:fld id="{0B2D948E-5657-4C1B-A3A2-B67569D5E126}" type="datetimeFigureOut">
               <a:rPr lang="en-US" smtClean="0"/>
-              <a:t>3/26/2019</a:t>
+              <a:t>3/30/2019</a:t>
             </a:fld>
             <a:endParaRPr lang="en-US"/>
           </a:p>
@@ -1007,7 +1007,7 @@
           <a:p>
             <a:fld id="{0B2D948E-5657-4C1B-A3A2-B67569D5E126}" type="datetimeFigureOut">
               <a:rPr lang="en-US" smtClean="0"/>
-              <a:t>3/26/2019</a:t>
+              <a:t>3/30/2019</a:t>
             </a:fld>
             <a:endParaRPr lang="en-US"/>
           </a:p>
@@ -1239,7 +1239,7 @@
           <a:p>
             <a:fld id="{0B2D948E-5657-4C1B-A3A2-B67569D5E126}" type="datetimeFigureOut">
               <a:rPr lang="en-US" smtClean="0"/>
-              <a:t>3/26/2019</a:t>
+              <a:t>3/30/2019</a:t>
             </a:fld>
             <a:endParaRPr lang="en-US"/>
           </a:p>
@@ -1606,7 +1606,7 @@
           <a:p>
             <a:fld id="{0B2D948E-5657-4C1B-A3A2-B67569D5E126}" type="datetimeFigureOut">
               <a:rPr lang="en-US" smtClean="0"/>
-              <a:t>3/26/2019</a:t>
+              <a:t>3/30/2019</a:t>
             </a:fld>
             <a:endParaRPr lang="en-US"/>
           </a:p>
@@ -1724,7 +1724,7 @@
           <a:p>
             <a:fld id="{0B2D948E-5657-4C1B-A3A2-B67569D5E126}" type="datetimeFigureOut">
               <a:rPr lang="en-US" smtClean="0"/>
-              <a:t>3/26/2019</a:t>
+              <a:t>3/30/2019</a:t>
             </a:fld>
             <a:endParaRPr lang="en-US"/>
           </a:p>
@@ -1819,7 +1819,7 @@
           <a:p>
             <a:fld id="{0B2D948E-5657-4C1B-A3A2-B67569D5E126}" type="datetimeFigureOut">
               <a:rPr lang="en-US" smtClean="0"/>
-              <a:t>3/26/2019</a:t>
+              <a:t>3/30/2019</a:t>
             </a:fld>
             <a:endParaRPr lang="en-US"/>
           </a:p>
@@ -2096,7 +2096,7 @@
           <a:p>
             <a:fld id="{0B2D948E-5657-4C1B-A3A2-B67569D5E126}" type="datetimeFigureOut">
               <a:rPr lang="en-US" smtClean="0"/>
-              <a:t>3/26/2019</a:t>
+              <a:t>3/30/2019</a:t>
             </a:fld>
             <a:endParaRPr lang="en-US"/>
           </a:p>
@@ -2353,7 +2353,7 @@
           <a:p>
             <a:fld id="{0B2D948E-5657-4C1B-A3A2-B67569D5E126}" type="datetimeFigureOut">
               <a:rPr lang="en-US" smtClean="0"/>
-              <a:t>3/26/2019</a:t>
+              <a:t>3/30/2019</a:t>
             </a:fld>
             <a:endParaRPr lang="en-US"/>
           </a:p>
@@ -2566,7 +2566,7 @@
           <a:p>
             <a:fld id="{0B2D948E-5657-4C1B-A3A2-B67569D5E126}" type="datetimeFigureOut">
               <a:rPr lang="en-US" smtClean="0"/>
-              <a:t>3/26/2019</a:t>
+              <a:t>3/30/2019</a:t>
             </a:fld>
             <a:endParaRPr lang="en-US"/>
           </a:p>
@@ -5306,7 +5306,7 @@
           <p:nvPr>
             <p:extLst>
               <p:ext uri="{D42A27DB-BD31-4B8C-83A1-F6EECF244321}">
-                <p14:modId xmlns:p14="http://schemas.microsoft.com/office/powerpoint/2010/main" val="123766652"/>
+                <p14:modId xmlns:p14="http://schemas.microsoft.com/office/powerpoint/2010/main" val="2307901713"/>
               </p:ext>
             </p:extLst>
           </p:nvPr>
@@ -5733,14 +5733,24 @@
                     <a:p>
                       <a:pPr algn="l" fontAlgn="b"/>
                       <a:r>
-                        <a:rPr lang="en-US" sz="1100" b="0" i="0" u="none" strike="noStrike">
+                        <a:rPr lang="en-US" sz="1100" b="0" i="0" u="none" strike="noStrike" dirty="0" err="1">
                           <a:solidFill>
                             <a:srgbClr val="000000"/>
                           </a:solidFill>
                           <a:effectLst/>
                           <a:latin typeface="Calibri" panose="020F0502020204030204" pitchFamily="34" charset="0"/>
                         </a:rPr>
-                        <a:t>CurEnvironment(int)</a:t>
+                        <a:t>DDSEnvironmentId</a:t>
+                      </a:r>
+                      <a:r>
+                        <a:rPr lang="en-US" sz="1100" b="0" i="0" u="none" strike="noStrike" dirty="0">
+                          <a:solidFill>
+                            <a:srgbClr val="000000"/>
+                          </a:solidFill>
+                          <a:effectLst/>
+                          <a:latin typeface="Calibri" panose="020F0502020204030204" pitchFamily="34" charset="0"/>
+                        </a:rPr>
+                        <a:t>(int)</a:t>
                       </a:r>
                     </a:p>
                   </a:txBody>
@@ -5797,14 +5807,14 @@
                     <a:p>
                       <a:pPr algn="l" fontAlgn="b"/>
                       <a:r>
-                        <a:rPr lang="en-US" sz="1100" b="0" i="0" u="none" strike="noStrike">
+                        <a:rPr lang="en-US" sz="1100" b="0" i="0" u="none" strike="noStrike" dirty="0">
                           <a:solidFill>
                             <a:srgbClr val="000000"/>
                           </a:solidFill>
                           <a:effectLst/>
                           <a:latin typeface="Calibri" panose="020F0502020204030204" pitchFamily="34" charset="0"/>
                         </a:rPr>
-                        <a:t>Status (int)</a:t>
+                        <a:t>Status (string)</a:t>
                       </a:r>
                     </a:p>
                   </a:txBody>
@@ -6970,14 +6980,14 @@
           <p:nvPr>
             <p:extLst>
               <p:ext uri="{D42A27DB-BD31-4B8C-83A1-F6EECF244321}">
-                <p14:modId xmlns:p14="http://schemas.microsoft.com/office/powerpoint/2010/main" val="3567978659"/>
+                <p14:modId xmlns:p14="http://schemas.microsoft.com/office/powerpoint/2010/main" val="2899082701"/>
               </p:ext>
             </p:extLst>
           </p:nvPr>
         </p:nvGraphicFramePr>
         <p:xfrm>
           <a:off x="7595939" y="225433"/>
-          <a:ext cx="1422400" cy="3057525"/>
+          <a:ext cx="1422400" cy="2676525"/>
         </p:xfrm>
         <a:graphic>
           <a:graphicData uri="http://schemas.openxmlformats.org/drawingml/2006/table">
@@ -7131,14 +7141,14 @@
                     <a:p>
                       <a:pPr algn="l" fontAlgn="b"/>
                       <a:r>
-                        <a:rPr lang="en-US" sz="1100" b="0" i="0" u="none" strike="noStrike">
+                        <a:rPr lang="en-US" sz="1100" b="0" i="0" u="none" strike="noStrike" dirty="0">
                           <a:solidFill>
                             <a:srgbClr val="000000"/>
                           </a:solidFill>
                           <a:effectLst/>
                           <a:latin typeface="Calibri" panose="020F0502020204030204" pitchFamily="34" charset="0"/>
                         </a:rPr>
-                        <a:t>StatusId (int)</a:t>
+                        <a:t>Status (string)</a:t>
                       </a:r>
                     </a:p>
                   </a:txBody>
@@ -7717,70 +7727,6 @@
                           <a:effectLst/>
                           <a:latin typeface="Calibri" panose="020F0502020204030204" pitchFamily="34" charset="0"/>
                         </a:rPr>
-                        <a:t>Database</a:t>
-                      </a:r>
-                    </a:p>
-                  </a:txBody>
-                  <a:tcPr marL="9525" marR="9525" marT="9525" marB="0" anchor="b">
-                    <a:lnL w="6350" cap="flat" cmpd="sng" algn="ctr">
-                      <a:solidFill>
-                        <a:srgbClr val="000000"/>
-                      </a:solidFill>
-                      <a:prstDash val="solid"/>
-                      <a:round/>
-                      <a:headEnd type="none" w="med" len="med"/>
-                      <a:tailEnd type="none" w="med" len="med"/>
-                    </a:lnL>
-                    <a:lnR w="6350" cap="flat" cmpd="sng" algn="ctr">
-                      <a:solidFill>
-                        <a:srgbClr val="000000"/>
-                      </a:solidFill>
-                      <a:prstDash val="solid"/>
-                      <a:round/>
-                      <a:headEnd type="none" w="med" len="med"/>
-                      <a:tailEnd type="none" w="med" len="med"/>
-                    </a:lnR>
-                    <a:lnT w="6350" cap="flat" cmpd="sng" algn="ctr">
-                      <a:solidFill>
-                        <a:srgbClr val="000000"/>
-                      </a:solidFill>
-                      <a:prstDash val="solid"/>
-                      <a:round/>
-                      <a:headEnd type="none" w="med" len="med"/>
-                      <a:tailEnd type="none" w="med" len="med"/>
-                    </a:lnT>
-                    <a:lnB w="6350" cap="flat" cmpd="sng" algn="ctr">
-                      <a:solidFill>
-                        <a:srgbClr val="000000"/>
-                      </a:solidFill>
-                      <a:prstDash val="solid"/>
-                      <a:round/>
-                      <a:headEnd type="none" w="med" len="med"/>
-                      <a:tailEnd type="none" w="med" len="med"/>
-                    </a:lnB>
-                  </a:tcPr>
-                </a:tc>
-                <a:extLst>
-                  <a:ext uri="{0D108BD9-81ED-4DB2-BD59-A6C34878D82A}">
-                    <a16:rowId xmlns:a16="http://schemas.microsoft.com/office/drawing/2014/main" val="321104372"/>
-                  </a:ext>
-                </a:extLst>
-              </a:tr>
-              <a:tr h="190500">
-                <a:tc>
-                  <a:txBody>
-                    <a:bodyPr/>
-                    <a:lstStyle/>
-                    <a:p>
-                      <a:pPr algn="l" fontAlgn="b"/>
-                      <a:r>
-                        <a:rPr lang="en-US" sz="1100" b="0" i="0" u="none" strike="noStrike">
-                          <a:solidFill>
-                            <a:srgbClr val="000000"/>
-                          </a:solidFill>
-                          <a:effectLst/>
-                          <a:latin typeface="Calibri" panose="020F0502020204030204" pitchFamily="34" charset="0"/>
-                        </a:rPr>
                         <a:t>Environment</a:t>
                       </a:r>
                     </a:p>
@@ -7891,70 +7837,6 @@
                 <a:extLst>
                   <a:ext uri="{0D108BD9-81ED-4DB2-BD59-A6C34878D82A}">
                     <a16:rowId xmlns:a16="http://schemas.microsoft.com/office/drawing/2014/main" val="3972033724"/>
-                  </a:ext>
-                </a:extLst>
-              </a:tr>
-              <a:tr h="190500">
-                <a:tc>
-                  <a:txBody>
-                    <a:bodyPr/>
-                    <a:lstStyle/>
-                    <a:p>
-                      <a:pPr algn="l" fontAlgn="b"/>
-                      <a:r>
-                        <a:rPr lang="en-US" sz="1100" b="0" i="0" u="none" strike="noStrike" dirty="0">
-                          <a:solidFill>
-                            <a:srgbClr val="000000"/>
-                          </a:solidFill>
-                          <a:effectLst/>
-                          <a:latin typeface="Calibri" panose="020F0502020204030204" pitchFamily="34" charset="0"/>
-                        </a:rPr>
-                        <a:t>StatusCode</a:t>
-                      </a:r>
-                    </a:p>
-                  </a:txBody>
-                  <a:tcPr marL="9525" marR="9525" marT="9525" marB="0" anchor="b">
-                    <a:lnL w="6350" cap="flat" cmpd="sng" algn="ctr">
-                      <a:solidFill>
-                        <a:srgbClr val="000000"/>
-                      </a:solidFill>
-                      <a:prstDash val="solid"/>
-                      <a:round/>
-                      <a:headEnd type="none" w="med" len="med"/>
-                      <a:tailEnd type="none" w="med" len="med"/>
-                    </a:lnL>
-                    <a:lnR w="6350" cap="flat" cmpd="sng" algn="ctr">
-                      <a:solidFill>
-                        <a:srgbClr val="000000"/>
-                      </a:solidFill>
-                      <a:prstDash val="solid"/>
-                      <a:round/>
-                      <a:headEnd type="none" w="med" len="med"/>
-                      <a:tailEnd type="none" w="med" len="med"/>
-                    </a:lnR>
-                    <a:lnT w="6350" cap="flat" cmpd="sng" algn="ctr">
-                      <a:solidFill>
-                        <a:srgbClr val="000000"/>
-                      </a:solidFill>
-                      <a:prstDash val="solid"/>
-                      <a:round/>
-                      <a:headEnd type="none" w="med" len="med"/>
-                      <a:tailEnd type="none" w="med" len="med"/>
-                    </a:lnT>
-                    <a:lnB w="6350" cap="flat" cmpd="sng" algn="ctr">
-                      <a:solidFill>
-                        <a:srgbClr val="000000"/>
-                      </a:solidFill>
-                      <a:prstDash val="solid"/>
-                      <a:round/>
-                      <a:headEnd type="none" w="med" len="med"/>
-                      <a:tailEnd type="none" w="med" len="med"/>
-                    </a:lnB>
-                  </a:tcPr>
-                </a:tc>
-                <a:extLst>
-                  <a:ext uri="{0D108BD9-81ED-4DB2-BD59-A6C34878D82A}">
-                    <a16:rowId xmlns:a16="http://schemas.microsoft.com/office/drawing/2014/main" val="1372944044"/>
                   </a:ext>
                 </a:extLst>
               </a:tr>
